--- a/5min_talk_presentation.pptx
+++ b/5min_talk_presentation.pptx
@@ -115,6 +115,11 @@
       </a:defRPr>
     </a:lvl9pPr>
   </p:defaultTextStyle>
+  <p:extLst>
+    <p:ext uri="{EFAFB233-063F-42B5-8137-9DF3F51BA10A}">
+      <p15:sldGuideLst xmlns:p15="http://schemas.microsoft.com/office/powerpoint/2012/main"/>
+    </p:ext>
+  </p:extLst>
 </p:presentation>
 </file>
 
@@ -249,7 +254,7 @@
           <a:p>
             <a:fld id="{980F99CE-44A2-4280-9A8D-3F792FBF4BD3}" type="datetimeFigureOut">
               <a:rPr lang="de-DE" smtClean="0"/>
-              <a:t>05.02.2022</a:t>
+              <a:t>06.02.2022</a:t>
             </a:fld>
             <a:endParaRPr lang="de-DE"/>
           </a:p>
@@ -419,7 +424,7 @@
           <a:p>
             <a:fld id="{980F99CE-44A2-4280-9A8D-3F792FBF4BD3}" type="datetimeFigureOut">
               <a:rPr lang="de-DE" smtClean="0"/>
-              <a:t>05.02.2022</a:t>
+              <a:t>06.02.2022</a:t>
             </a:fld>
             <a:endParaRPr lang="de-DE"/>
           </a:p>
@@ -599,7 +604,7 @@
           <a:p>
             <a:fld id="{980F99CE-44A2-4280-9A8D-3F792FBF4BD3}" type="datetimeFigureOut">
               <a:rPr lang="de-DE" smtClean="0"/>
-              <a:t>05.02.2022</a:t>
+              <a:t>06.02.2022</a:t>
             </a:fld>
             <a:endParaRPr lang="de-DE"/>
           </a:p>
@@ -769,7 +774,7 @@
           <a:p>
             <a:fld id="{980F99CE-44A2-4280-9A8D-3F792FBF4BD3}" type="datetimeFigureOut">
               <a:rPr lang="de-DE" smtClean="0"/>
-              <a:t>05.02.2022</a:t>
+              <a:t>06.02.2022</a:t>
             </a:fld>
             <a:endParaRPr lang="de-DE"/>
           </a:p>
@@ -1015,7 +1020,7 @@
           <a:p>
             <a:fld id="{980F99CE-44A2-4280-9A8D-3F792FBF4BD3}" type="datetimeFigureOut">
               <a:rPr lang="de-DE" smtClean="0"/>
-              <a:t>05.02.2022</a:t>
+              <a:t>06.02.2022</a:t>
             </a:fld>
             <a:endParaRPr lang="de-DE"/>
           </a:p>
@@ -1247,7 +1252,7 @@
           <a:p>
             <a:fld id="{980F99CE-44A2-4280-9A8D-3F792FBF4BD3}" type="datetimeFigureOut">
               <a:rPr lang="de-DE" smtClean="0"/>
-              <a:t>05.02.2022</a:t>
+              <a:t>06.02.2022</a:t>
             </a:fld>
             <a:endParaRPr lang="de-DE"/>
           </a:p>
@@ -1614,7 +1619,7 @@
           <a:p>
             <a:fld id="{980F99CE-44A2-4280-9A8D-3F792FBF4BD3}" type="datetimeFigureOut">
               <a:rPr lang="de-DE" smtClean="0"/>
-              <a:t>05.02.2022</a:t>
+              <a:t>06.02.2022</a:t>
             </a:fld>
             <a:endParaRPr lang="de-DE"/>
           </a:p>
@@ -1732,7 +1737,7 @@
           <a:p>
             <a:fld id="{980F99CE-44A2-4280-9A8D-3F792FBF4BD3}" type="datetimeFigureOut">
               <a:rPr lang="de-DE" smtClean="0"/>
-              <a:t>05.02.2022</a:t>
+              <a:t>06.02.2022</a:t>
             </a:fld>
             <a:endParaRPr lang="de-DE"/>
           </a:p>
@@ -1827,7 +1832,7 @@
           <a:p>
             <a:fld id="{980F99CE-44A2-4280-9A8D-3F792FBF4BD3}" type="datetimeFigureOut">
               <a:rPr lang="de-DE" smtClean="0"/>
-              <a:t>05.02.2022</a:t>
+              <a:t>06.02.2022</a:t>
             </a:fld>
             <a:endParaRPr lang="de-DE"/>
           </a:p>
@@ -2104,7 +2109,7 @@
           <a:p>
             <a:fld id="{980F99CE-44A2-4280-9A8D-3F792FBF4BD3}" type="datetimeFigureOut">
               <a:rPr lang="de-DE" smtClean="0"/>
-              <a:t>05.02.2022</a:t>
+              <a:t>06.02.2022</a:t>
             </a:fld>
             <a:endParaRPr lang="de-DE"/>
           </a:p>
@@ -2357,7 +2362,7 @@
           <a:p>
             <a:fld id="{980F99CE-44A2-4280-9A8D-3F792FBF4BD3}" type="datetimeFigureOut">
               <a:rPr lang="de-DE" smtClean="0"/>
-              <a:t>05.02.2022</a:t>
+              <a:t>06.02.2022</a:t>
             </a:fld>
             <a:endParaRPr lang="de-DE"/>
           </a:p>
@@ -2570,7 +2575,7 @@
           <a:p>
             <a:fld id="{980F99CE-44A2-4280-9A8D-3F792FBF4BD3}" type="datetimeFigureOut">
               <a:rPr lang="de-DE" smtClean="0"/>
-              <a:t>05.02.2022</a:t>
+              <a:t>06.02.2022</a:t>
             </a:fld>
             <a:endParaRPr lang="de-DE"/>
           </a:p>
@@ -3023,6 +3028,13 @@
   <p:clrMapOvr>
     <a:masterClrMapping/>
   </p:clrMapOvr>
+  <p:timing>
+    <p:tnLst>
+      <p:par>
+        <p:cTn id="1" dur="indefinite" restart="never" nodeType="tmRoot"/>
+      </p:par>
+    </p:tnLst>
+  </p:timing>
 </p:sld>
 </file>
 
@@ -3383,6 +3395,13 @@
   <p:clrMapOvr>
     <a:masterClrMapping/>
   </p:clrMapOvr>
+  <p:timing>
+    <p:tnLst>
+      <p:par>
+        <p:cTn id="1" dur="indefinite" restart="never" nodeType="tmRoot"/>
+      </p:par>
+    </p:tnLst>
+  </p:timing>
 </p:sld>
 </file>
 
